--- a/Terraform/Terraform.pptx
+++ b/Terraform/Terraform.pptx
@@ -231,7 +231,7 @@
           <a:p>
             <a:fld id="{EB7D1B3A-E4DE-0F44-B4A4-101987DE24FC}" type="datetimeFigureOut">
               <a:rPr lang="en-US" smtClean="0"/>
-              <a:t>7/16/2018</a:t>
+              <a:t>7/17/2018</a:t>
             </a:fld>
             <a:endParaRPr lang="en-US" dirty="0"/>
           </a:p>
@@ -396,7 +396,7 @@
           <a:p>
             <a:fld id="{A687CB9B-27F9-BD41-BF86-C637AA15812F}" type="datetimeFigureOut">
               <a:rPr lang="en-US" smtClean="0"/>
-              <a:t>7/16/2018</a:t>
+              <a:t>7/17/2018</a:t>
             </a:fld>
             <a:endParaRPr lang="en-US" dirty="0"/>
           </a:p>
@@ -1154,7 +1154,7 @@
             <a:effectLst/>
             <a:extLst>
               <a:ext uri="{C572A759-6A51-4108-AA02-DFA0A04FC94B}">
-                <ma14:wrappingTextBoxFlag xmlns="" xmlns:ma14="http://schemas.microsoft.com/office/mac/drawingml/2011/main" val="1"/>
+                <ma14:wrappingTextBoxFlag xmlns:ma14="http://schemas.microsoft.com/office/mac/drawingml/2011/main" xmlns="" val="1"/>
               </a:ext>
             </a:extLst>
           </p:spPr>
@@ -5356,7 +5356,7 @@
             <a:effectLst/>
             <a:extLst>
               <a:ext uri="{C572A759-6A51-4108-AA02-DFA0A04FC94B}">
-                <ma14:wrappingTextBoxFlag xmlns="" xmlns:ma14="http://schemas.microsoft.com/office/mac/drawingml/2011/main" val="1"/>
+                <ma14:wrappingTextBoxFlag xmlns:ma14="http://schemas.microsoft.com/office/mac/drawingml/2011/main" xmlns="" val="1"/>
               </a:ext>
             </a:extLst>
           </p:spPr>
@@ -5547,7 +5547,7 @@
             <a:effectLst/>
             <a:extLst>
               <a:ext uri="{C572A759-6A51-4108-AA02-DFA0A04FC94B}">
-                <ma14:wrappingTextBoxFlag xmlns="" xmlns:ma14="http://schemas.microsoft.com/office/mac/drawingml/2011/main" val="1"/>
+                <ma14:wrappingTextBoxFlag xmlns:ma14="http://schemas.microsoft.com/office/mac/drawingml/2011/main" xmlns="" val="1"/>
               </a:ext>
             </a:extLst>
           </p:spPr>
@@ -5885,7 +5885,7 @@
             <a:effectLst/>
             <a:extLst>
               <a:ext uri="{C572A759-6A51-4108-AA02-DFA0A04FC94B}">
-                <ma14:wrappingTextBoxFlag xmlns="" xmlns:ma14="http://schemas.microsoft.com/office/mac/drawingml/2011/main" val="1"/>
+                <ma14:wrappingTextBoxFlag xmlns:ma14="http://schemas.microsoft.com/office/mac/drawingml/2011/main" xmlns="" val="1"/>
               </a:ext>
             </a:extLst>
           </p:spPr>
@@ -6178,7 +6178,7 @@
             <a:effectLst/>
             <a:extLst>
               <a:ext uri="{C572A759-6A51-4108-AA02-DFA0A04FC94B}">
-                <ma14:wrappingTextBoxFlag xmlns="" xmlns:ma14="http://schemas.microsoft.com/office/mac/drawingml/2011/main" val="1"/>
+                <ma14:wrappingTextBoxFlag xmlns:ma14="http://schemas.microsoft.com/office/mac/drawingml/2011/main" xmlns="" val="1"/>
               </a:ext>
             </a:extLst>
           </p:spPr>
@@ -6471,7 +6471,7 @@
             <a:effectLst/>
             <a:extLst>
               <a:ext uri="{C572A759-6A51-4108-AA02-DFA0A04FC94B}">
-                <ma14:wrappingTextBoxFlag xmlns="" xmlns:ma14="http://schemas.microsoft.com/office/mac/drawingml/2011/main" val="1"/>
+                <ma14:wrappingTextBoxFlag xmlns:ma14="http://schemas.microsoft.com/office/mac/drawingml/2011/main" xmlns="" val="1"/>
               </a:ext>
             </a:extLst>
           </p:spPr>
@@ -6764,7 +6764,7 @@
             <a:effectLst/>
             <a:extLst>
               <a:ext uri="{C572A759-6A51-4108-AA02-DFA0A04FC94B}">
-                <ma14:wrappingTextBoxFlag xmlns="" xmlns:ma14="http://schemas.microsoft.com/office/mac/drawingml/2011/main" val="1"/>
+                <ma14:wrappingTextBoxFlag xmlns:ma14="http://schemas.microsoft.com/office/mac/drawingml/2011/main" xmlns="" val="1"/>
               </a:ext>
             </a:extLst>
           </p:spPr>
@@ -7796,7 +7796,7 @@
             <a:effectLst/>
             <a:extLst>
               <a:ext uri="{C572A759-6A51-4108-AA02-DFA0A04FC94B}">
-                <ma14:wrappingTextBoxFlag xmlns="" xmlns:ma14="http://schemas.microsoft.com/office/mac/drawingml/2011/main" val="1"/>
+                <ma14:wrappingTextBoxFlag xmlns:ma14="http://schemas.microsoft.com/office/mac/drawingml/2011/main" xmlns="" val="1"/>
               </a:ext>
             </a:extLst>
           </p:spPr>
@@ -8439,7 +8439,7 @@
             <a:effectLst/>
             <a:extLst>
               <a:ext uri="{C572A759-6A51-4108-AA02-DFA0A04FC94B}">
-                <ma14:wrappingTextBoxFlag xmlns="" xmlns:ma14="http://schemas.microsoft.com/office/mac/drawingml/2011/main" val="1"/>
+                <ma14:wrappingTextBoxFlag xmlns:ma14="http://schemas.microsoft.com/office/mac/drawingml/2011/main" xmlns="" val="1"/>
               </a:ext>
             </a:extLst>
           </p:spPr>
@@ -9049,7 +9049,7 @@
             <a:effectLst/>
             <a:extLst>
               <a:ext uri="{C572A759-6A51-4108-AA02-DFA0A04FC94B}">
-                <ma14:wrappingTextBoxFlag xmlns="" xmlns:ma14="http://schemas.microsoft.com/office/mac/drawingml/2011/main" val="1"/>
+                <ma14:wrappingTextBoxFlag xmlns:ma14="http://schemas.microsoft.com/office/mac/drawingml/2011/main" xmlns="" val="1"/>
               </a:ext>
             </a:extLst>
           </p:spPr>
@@ -9780,7 +9780,7 @@
             <a:effectLst/>
             <a:extLst>
               <a:ext uri="{C572A759-6A51-4108-AA02-DFA0A04FC94B}">
-                <ma14:wrappingTextBoxFlag xmlns="" xmlns:ma14="http://schemas.microsoft.com/office/mac/drawingml/2011/main" val="1"/>
+                <ma14:wrappingTextBoxFlag xmlns:ma14="http://schemas.microsoft.com/office/mac/drawingml/2011/main" xmlns="" val="1"/>
               </a:ext>
             </a:extLst>
           </p:spPr>
@@ -11079,7 +11079,7 @@
             <a:effectLst/>
             <a:extLst>
               <a:ext uri="{C572A759-6A51-4108-AA02-DFA0A04FC94B}">
-                <ma14:wrappingTextBoxFlag xmlns="" xmlns:ma14="http://schemas.microsoft.com/office/mac/drawingml/2011/main" val="1"/>
+                <ma14:wrappingTextBoxFlag xmlns:ma14="http://schemas.microsoft.com/office/mac/drawingml/2011/main" xmlns="" val="1"/>
               </a:ext>
             </a:extLst>
           </p:spPr>
@@ -12002,7 +12002,7 @@
             <a:effectLst/>
             <a:extLst>
               <a:ext uri="{C572A759-6A51-4108-AA02-DFA0A04FC94B}">
-                <ma14:wrappingTextBoxFlag xmlns="" xmlns:ma14="http://schemas.microsoft.com/office/mac/drawingml/2011/main" val="1"/>
+                <ma14:wrappingTextBoxFlag xmlns:ma14="http://schemas.microsoft.com/office/mac/drawingml/2011/main" xmlns="" val="1"/>
               </a:ext>
             </a:extLst>
           </p:spPr>
@@ -12697,7 +12697,7 @@
             <a:effectLst/>
             <a:extLst>
               <a:ext uri="{C572A759-6A51-4108-AA02-DFA0A04FC94B}">
-                <ma14:wrappingTextBoxFlag xmlns="" xmlns:ma14="http://schemas.microsoft.com/office/mac/drawingml/2011/main" val="1"/>
+                <ma14:wrappingTextBoxFlag xmlns:ma14="http://schemas.microsoft.com/office/mac/drawingml/2011/main" xmlns="" val="1"/>
               </a:ext>
             </a:extLst>
           </p:spPr>
@@ -15143,7 +15143,7 @@
             <a:effectLst/>
             <a:extLst>
               <a:ext uri="{C572A759-6A51-4108-AA02-DFA0A04FC94B}">
-                <ma14:wrappingTextBoxFlag xmlns="" xmlns:ma14="http://schemas.microsoft.com/office/mac/drawingml/2011/main" val="1"/>
+                <ma14:wrappingTextBoxFlag xmlns:ma14="http://schemas.microsoft.com/office/mac/drawingml/2011/main" xmlns="" val="1"/>
               </a:ext>
             </a:extLst>
           </p:spPr>
@@ -15378,7 +15378,7 @@
             <a:effectLst/>
             <a:extLst>
               <a:ext uri="{C572A759-6A51-4108-AA02-DFA0A04FC94B}">
-                <ma14:wrappingTextBoxFlag xmlns="" xmlns:ma14="http://schemas.microsoft.com/office/mac/drawingml/2011/main" val="1"/>
+                <ma14:wrappingTextBoxFlag xmlns:ma14="http://schemas.microsoft.com/office/mac/drawingml/2011/main" xmlns="" val="1"/>
               </a:ext>
             </a:extLst>
           </p:spPr>
@@ -15885,7 +15885,7 @@
             <a:effectLst/>
             <a:extLst>
               <a:ext uri="{C572A759-6A51-4108-AA02-DFA0A04FC94B}">
-                <ma14:wrappingTextBoxFlag xmlns="" xmlns:ma14="http://schemas.microsoft.com/office/mac/drawingml/2011/main" val="1"/>
+                <ma14:wrappingTextBoxFlag xmlns:ma14="http://schemas.microsoft.com/office/mac/drawingml/2011/main" xmlns="" val="1"/>
               </a:ext>
             </a:extLst>
           </p:spPr>
@@ -17264,7 +17264,7 @@
             <a:effectLst/>
             <a:extLst>
               <a:ext uri="{C572A759-6A51-4108-AA02-DFA0A04FC94B}">
-                <ma14:wrappingTextBoxFlag xmlns="" xmlns:ma14="http://schemas.microsoft.com/office/mac/drawingml/2011/main" val="1"/>
+                <ma14:wrappingTextBoxFlag xmlns:ma14="http://schemas.microsoft.com/office/mac/drawingml/2011/main" xmlns="" val="1"/>
               </a:ext>
             </a:extLst>
           </p:spPr>
@@ -17831,7 +17831,7 @@
             <a:effectLst/>
             <a:extLst>
               <a:ext uri="{C572A759-6A51-4108-AA02-DFA0A04FC94B}">
-                <ma14:wrappingTextBoxFlag xmlns="" xmlns:ma14="http://schemas.microsoft.com/office/mac/drawingml/2011/main" val="1"/>
+                <ma14:wrappingTextBoxFlag xmlns:ma14="http://schemas.microsoft.com/office/mac/drawingml/2011/main" xmlns="" val="1"/>
               </a:ext>
             </a:extLst>
           </p:spPr>
@@ -18580,7 +18580,7 @@
             <a:effectLst/>
             <a:extLst>
               <a:ext uri="{C572A759-6A51-4108-AA02-DFA0A04FC94B}">
-                <ma14:wrappingTextBoxFlag xmlns="" xmlns:ma14="http://schemas.microsoft.com/office/mac/drawingml/2011/main" val="1"/>
+                <ma14:wrappingTextBoxFlag xmlns:ma14="http://schemas.microsoft.com/office/mac/drawingml/2011/main" xmlns="" val="1"/>
               </a:ext>
             </a:extLst>
           </p:spPr>
@@ -19502,7 +19502,7 @@
             <a:effectLst/>
             <a:extLst>
               <a:ext uri="{C572A759-6A51-4108-AA02-DFA0A04FC94B}">
-                <ma14:wrappingTextBoxFlag xmlns="" xmlns:ma14="http://schemas.microsoft.com/office/mac/drawingml/2011/main" val="1"/>
+                <ma14:wrappingTextBoxFlag xmlns:ma14="http://schemas.microsoft.com/office/mac/drawingml/2011/main" xmlns="" val="1"/>
               </a:ext>
             </a:extLst>
           </p:spPr>
@@ -20231,7 +20231,7 @@
             <a:effectLst/>
             <a:extLst>
               <a:ext uri="{C572A759-6A51-4108-AA02-DFA0A04FC94B}">
-                <ma14:wrappingTextBoxFlag xmlns="" xmlns:ma14="http://schemas.microsoft.com/office/mac/drawingml/2011/main" val="1"/>
+                <ma14:wrappingTextBoxFlag xmlns:ma14="http://schemas.microsoft.com/office/mac/drawingml/2011/main" xmlns="" val="1"/>
               </a:ext>
             </a:extLst>
           </p:spPr>
@@ -20940,7 +20940,7 @@
             <a:effectLst/>
             <a:extLst>
               <a:ext uri="{C572A759-6A51-4108-AA02-DFA0A04FC94B}">
-                <ma14:wrappingTextBoxFlag xmlns="" xmlns:ma14="http://schemas.microsoft.com/office/mac/drawingml/2011/main" val="1"/>
+                <ma14:wrappingTextBoxFlag xmlns:ma14="http://schemas.microsoft.com/office/mac/drawingml/2011/main" xmlns="" val="1"/>
               </a:ext>
             </a:extLst>
           </p:spPr>
@@ -21672,7 +21672,7 @@
             <a:effectLst/>
             <a:extLst>
               <a:ext uri="{C572A759-6A51-4108-AA02-DFA0A04FC94B}">
-                <ma14:wrappingTextBoxFlag xmlns="" xmlns:ma14="http://schemas.microsoft.com/office/mac/drawingml/2011/main" val="1"/>
+                <ma14:wrappingTextBoxFlag xmlns:ma14="http://schemas.microsoft.com/office/mac/drawingml/2011/main" xmlns="" val="1"/>
               </a:ext>
             </a:extLst>
           </p:spPr>
@@ -22555,7 +22555,7 @@
             <a:effectLst/>
             <a:extLst>
               <a:ext uri="{C572A759-6A51-4108-AA02-DFA0A04FC94B}">
-                <ma14:wrappingTextBoxFlag xmlns="" xmlns:ma14="http://schemas.microsoft.com/office/mac/drawingml/2011/main" val="1"/>
+                <ma14:wrappingTextBoxFlag xmlns:ma14="http://schemas.microsoft.com/office/mac/drawingml/2011/main" xmlns="" val="1"/>
               </a:ext>
             </a:extLst>
           </p:spPr>
@@ -23810,7 +23810,7 @@
             <a:effectLst/>
             <a:extLst>
               <a:ext uri="{C572A759-6A51-4108-AA02-DFA0A04FC94B}">
-                <ma14:wrappingTextBoxFlag xmlns="" xmlns:ma14="http://schemas.microsoft.com/office/mac/drawingml/2011/main" val="1"/>
+                <ma14:wrappingTextBoxFlag xmlns:ma14="http://schemas.microsoft.com/office/mac/drawingml/2011/main" xmlns="" val="1"/>
               </a:ext>
             </a:extLst>
           </p:spPr>
@@ -25341,7 +25341,7 @@
             <a:effectLst/>
             <a:extLst>
               <a:ext uri="{C572A759-6A51-4108-AA02-DFA0A04FC94B}">
-                <ma14:wrappingTextBoxFlag xmlns="" xmlns:ma14="http://schemas.microsoft.com/office/mac/drawingml/2011/main" val="1"/>
+                <ma14:wrappingTextBoxFlag xmlns:ma14="http://schemas.microsoft.com/office/mac/drawingml/2011/main" xmlns="" val="1"/>
               </a:ext>
             </a:extLst>
           </p:spPr>
@@ -29127,7 +29127,7 @@
             <a:effectLst/>
             <a:extLst>
               <a:ext uri="{C572A759-6A51-4108-AA02-DFA0A04FC94B}">
-                <ma14:wrappingTextBoxFlag xmlns="" xmlns:ma14="http://schemas.microsoft.com/office/mac/drawingml/2011/main" val="1"/>
+                <ma14:wrappingTextBoxFlag xmlns:ma14="http://schemas.microsoft.com/office/mac/drawingml/2011/main" xmlns="" val="1"/>
               </a:ext>
             </a:extLst>
           </p:spPr>
@@ -29523,7 +29523,7 @@
             <a:effectLst/>
             <a:extLst>
               <a:ext uri="{C572A759-6A51-4108-AA02-DFA0A04FC94B}">
-                <ma14:wrappingTextBoxFlag xmlns="" xmlns:ma14="http://schemas.microsoft.com/office/mac/drawingml/2011/main" val="1"/>
+                <ma14:wrappingTextBoxFlag xmlns:ma14="http://schemas.microsoft.com/office/mac/drawingml/2011/main" xmlns="" val="1"/>
               </a:ext>
             </a:extLst>
           </p:spPr>
@@ -32802,7 +32802,7 @@
             <a:effectLst/>
             <a:extLst>
               <a:ext uri="{C572A759-6A51-4108-AA02-DFA0A04FC94B}">
-                <ma14:wrappingTextBoxFlag xmlns="" xmlns:ma14="http://schemas.microsoft.com/office/mac/drawingml/2011/main" val="1"/>
+                <ma14:wrappingTextBoxFlag xmlns:ma14="http://schemas.microsoft.com/office/mac/drawingml/2011/main" xmlns="" val="1"/>
               </a:ext>
             </a:extLst>
           </p:spPr>
@@ -34016,7 +34016,7 @@
             <a:effectLst/>
             <a:extLst>
               <a:ext uri="{C572A759-6A51-4108-AA02-DFA0A04FC94B}">
-                <ma14:wrappingTextBoxFlag xmlns="" xmlns:ma14="http://schemas.microsoft.com/office/mac/drawingml/2011/main" val="1"/>
+                <ma14:wrappingTextBoxFlag xmlns:ma14="http://schemas.microsoft.com/office/mac/drawingml/2011/main" xmlns="" val="1"/>
               </a:ext>
             </a:extLst>
           </p:spPr>
@@ -34548,7 +34548,7 @@
             <a:effectLst/>
             <a:extLst>
               <a:ext uri="{C572A759-6A51-4108-AA02-DFA0A04FC94B}">
-                <ma14:wrappingTextBoxFlag xmlns="" xmlns:ma14="http://schemas.microsoft.com/office/mac/drawingml/2011/main" val="1"/>
+                <ma14:wrappingTextBoxFlag xmlns:ma14="http://schemas.microsoft.com/office/mac/drawingml/2011/main" xmlns="" val="1"/>
               </a:ext>
             </a:extLst>
           </p:spPr>
@@ -35153,7 +35153,7 @@
             <a:effectLst/>
             <a:extLst>
               <a:ext uri="{C572A759-6A51-4108-AA02-DFA0A04FC94B}">
-                <ma14:wrappingTextBoxFlag xmlns="" xmlns:ma14="http://schemas.microsoft.com/office/mac/drawingml/2011/main" val="1"/>
+                <ma14:wrappingTextBoxFlag xmlns:ma14="http://schemas.microsoft.com/office/mac/drawingml/2011/main" xmlns="" val="1"/>
               </a:ext>
             </a:extLst>
           </p:spPr>
@@ -35404,7 +35404,7 @@
             <a:effectLst/>
             <a:extLst>
               <a:ext uri="{C572A759-6A51-4108-AA02-DFA0A04FC94B}">
-                <ma14:wrappingTextBoxFlag xmlns="" xmlns:ma14="http://schemas.microsoft.com/office/mac/drawingml/2011/main" val="1"/>
+                <ma14:wrappingTextBoxFlag xmlns:ma14="http://schemas.microsoft.com/office/mac/drawingml/2011/main" xmlns="" val="1"/>
               </a:ext>
             </a:extLst>
           </p:spPr>
@@ -38370,7 +38370,7 @@
             <a:effectLst/>
             <a:extLst>
               <a:ext uri="{C572A759-6A51-4108-AA02-DFA0A04FC94B}">
-                <ma14:wrappingTextBoxFlag xmlns="" xmlns:ma14="http://schemas.microsoft.com/office/mac/drawingml/2011/main" val="1"/>
+                <ma14:wrappingTextBoxFlag xmlns:ma14="http://schemas.microsoft.com/office/mac/drawingml/2011/main" xmlns="" val="1"/>
               </a:ext>
             </a:extLst>
           </p:spPr>
@@ -49743,7 +49743,7 @@
           <a:effectLst/>
           <a:extLst>
             <a:ext uri="{C572A759-6A51-4108-AA02-DFA0A04FC94B}">
-              <ma14:wrappingTextBoxFlag xmlns="" xmlns:ma14="http://schemas.microsoft.com/office/mac/drawingml/2011/main" val="1"/>
+              <ma14:wrappingTextBoxFlag xmlns:ma14="http://schemas.microsoft.com/office/mac/drawingml/2011/main" xmlns="" val="1"/>
             </a:ext>
           </a:extLst>
         </p:spPr>
@@ -49798,7 +49798,7 @@
           <a:effectLst/>
           <a:extLst>
             <a:ext uri="{C572A759-6A51-4108-AA02-DFA0A04FC94B}">
-              <ma14:wrappingTextBoxFlag xmlns="" xmlns:ma14="http://schemas.microsoft.com/office/mac/drawingml/2011/main" val="1"/>
+              <ma14:wrappingTextBoxFlag xmlns:ma14="http://schemas.microsoft.com/office/mac/drawingml/2011/main" xmlns="" val="1"/>
             </a:ext>
           </a:extLst>
         </p:spPr>
@@ -49853,7 +49853,7 @@
           <a:effectLst/>
           <a:extLst>
             <a:ext uri="{C572A759-6A51-4108-AA02-DFA0A04FC94B}">
-              <ma14:wrappingTextBoxFlag xmlns="" xmlns:ma14="http://schemas.microsoft.com/office/mac/drawingml/2011/main" val="1"/>
+              <ma14:wrappingTextBoxFlag xmlns:ma14="http://schemas.microsoft.com/office/mac/drawingml/2011/main" xmlns="" val="1"/>
             </a:ext>
           </a:extLst>
         </p:spPr>
@@ -49908,7 +49908,7 @@
           <a:effectLst/>
           <a:extLst>
             <a:ext uri="{C572A759-6A51-4108-AA02-DFA0A04FC94B}">
-              <ma14:wrappingTextBoxFlag xmlns="" xmlns:ma14="http://schemas.microsoft.com/office/mac/drawingml/2011/main" val="1"/>
+              <ma14:wrappingTextBoxFlag xmlns:ma14="http://schemas.microsoft.com/office/mac/drawingml/2011/main" xmlns="" val="1"/>
             </a:ext>
           </a:extLst>
         </p:spPr>
@@ -49963,7 +49963,7 @@
           <a:effectLst/>
           <a:extLst>
             <a:ext uri="{C572A759-6A51-4108-AA02-DFA0A04FC94B}">
-              <ma14:wrappingTextBoxFlag xmlns="" xmlns:ma14="http://schemas.microsoft.com/office/mac/drawingml/2011/main" val="1"/>
+              <ma14:wrappingTextBoxFlag xmlns:ma14="http://schemas.microsoft.com/office/mac/drawingml/2011/main" xmlns="" val="1"/>
             </a:ext>
           </a:extLst>
         </p:spPr>
@@ -50018,7 +50018,7 @@
           <a:effectLst/>
           <a:extLst>
             <a:ext uri="{C572A759-6A51-4108-AA02-DFA0A04FC94B}">
-              <ma14:wrappingTextBoxFlag xmlns="" xmlns:ma14="http://schemas.microsoft.com/office/mac/drawingml/2011/main" val="1"/>
+              <ma14:wrappingTextBoxFlag xmlns:ma14="http://schemas.microsoft.com/office/mac/drawingml/2011/main" xmlns="" val="1"/>
             </a:ext>
           </a:extLst>
         </p:spPr>
@@ -50087,7 +50087,7 @@
             <a:effectLst/>
             <a:extLst>
               <a:ext uri="{C572A759-6A51-4108-AA02-DFA0A04FC94B}">
-                <ma14:wrappingTextBoxFlag xmlns="" xmlns:ma14="http://schemas.microsoft.com/office/mac/drawingml/2011/main" val="1"/>
+                <ma14:wrappingTextBoxFlag xmlns:ma14="http://schemas.microsoft.com/office/mac/drawingml/2011/main" xmlns="" val="1"/>
               </a:ext>
             </a:extLst>
           </p:spPr>
@@ -51515,7 +51515,7 @@
           <a:lstStyle/>
           <a:p>
             <a:r>
-              <a:rPr lang="en-US"/>
+              <a:rPr lang="en-US" dirty="0"/>
               <a:t>Thank you!</a:t>
             </a:r>
           </a:p>
@@ -51537,14 +51537,10 @@
           <a:lstStyle/>
           <a:p>
             <a:r>
-              <a:rPr lang="en-US"/>
-              <a:t>SPEAKER NAME  ·  @</a:t>
-            </a:r>
-            <a:r>
-              <a:rPr lang="en-US" smtClean="0"/>
-              <a:t>SOCIALMEDIA</a:t>
-            </a:r>
-            <a:endParaRPr lang="en-US"/>
+              <a:rPr lang="pl-PL" dirty="0" smtClean="0"/>
+              <a:t>Łukasz Ożóg </a:t>
+            </a:r>
+            <a:endParaRPr lang="en-US" dirty="0"/>
           </a:p>
         </p:txBody>
       </p:sp>

--- a/Terraform/Terraform.pptx
+++ b/Terraform/Terraform.pptx
@@ -5,10 +5,10 @@
     <p:sldMasterId id="2147483651" r:id="rId1"/>
   </p:sldMasterIdLst>
   <p:notesMasterIdLst>
-    <p:notesMasterId r:id="rId20"/>
+    <p:notesMasterId r:id="rId21"/>
   </p:notesMasterIdLst>
   <p:handoutMasterIdLst>
-    <p:handoutMasterId r:id="rId21"/>
+    <p:handoutMasterId r:id="rId22"/>
   </p:handoutMasterIdLst>
   <p:sldIdLst>
     <p:sldId id="269" r:id="rId2"/>
@@ -27,8 +27,9 @@
     <p:sldId id="463" r:id="rId15"/>
     <p:sldId id="464" r:id="rId16"/>
     <p:sldId id="465" r:id="rId17"/>
-    <p:sldId id="427" r:id="rId18"/>
-    <p:sldId id="315" r:id="rId19"/>
+    <p:sldId id="468" r:id="rId18"/>
+    <p:sldId id="427" r:id="rId19"/>
+    <p:sldId id="315" r:id="rId20"/>
   </p:sldIdLst>
   <p:sldSz cx="24382413" cy="13684250"/>
   <p:notesSz cx="6858000" cy="9144000"/>
@@ -231,7 +232,7 @@
           <a:p>
             <a:fld id="{EB7D1B3A-E4DE-0F44-B4A4-101987DE24FC}" type="datetimeFigureOut">
               <a:rPr lang="en-US" smtClean="0"/>
-              <a:t>7/17/2018</a:t>
+              <a:t>7/18/2018</a:t>
             </a:fld>
             <a:endParaRPr lang="en-US" dirty="0"/>
           </a:p>
@@ -396,7 +397,7 @@
           <a:p>
             <a:fld id="{A687CB9B-27F9-BD41-BF86-C637AA15812F}" type="datetimeFigureOut">
               <a:rPr lang="en-US" smtClean="0"/>
-              <a:t>7/17/2018</a:t>
+              <a:t>7/18/2018</a:t>
             </a:fld>
             <a:endParaRPr lang="en-US" dirty="0"/>
           </a:p>
@@ -1154,7 +1155,7 @@
             <a:effectLst/>
             <a:extLst>
               <a:ext uri="{C572A759-6A51-4108-AA02-DFA0A04FC94B}">
-                <ma14:wrappingTextBoxFlag xmlns:ma14="http://schemas.microsoft.com/office/mac/drawingml/2011/main" xmlns="" val="1"/>
+                <ma14:wrappingTextBoxFlag xmlns="" xmlns:ma14="http://schemas.microsoft.com/office/mac/drawingml/2011/main" val="1"/>
               </a:ext>
             </a:extLst>
           </p:spPr>
@@ -5356,7 +5357,7 @@
             <a:effectLst/>
             <a:extLst>
               <a:ext uri="{C572A759-6A51-4108-AA02-DFA0A04FC94B}">
-                <ma14:wrappingTextBoxFlag xmlns:ma14="http://schemas.microsoft.com/office/mac/drawingml/2011/main" xmlns="" val="1"/>
+                <ma14:wrappingTextBoxFlag xmlns="" xmlns:ma14="http://schemas.microsoft.com/office/mac/drawingml/2011/main" val="1"/>
               </a:ext>
             </a:extLst>
           </p:spPr>
@@ -5547,7 +5548,7 @@
             <a:effectLst/>
             <a:extLst>
               <a:ext uri="{C572A759-6A51-4108-AA02-DFA0A04FC94B}">
-                <ma14:wrappingTextBoxFlag xmlns:ma14="http://schemas.microsoft.com/office/mac/drawingml/2011/main" xmlns="" val="1"/>
+                <ma14:wrappingTextBoxFlag xmlns="" xmlns:ma14="http://schemas.microsoft.com/office/mac/drawingml/2011/main" val="1"/>
               </a:ext>
             </a:extLst>
           </p:spPr>
@@ -5885,7 +5886,7 @@
             <a:effectLst/>
             <a:extLst>
               <a:ext uri="{C572A759-6A51-4108-AA02-DFA0A04FC94B}">
-                <ma14:wrappingTextBoxFlag xmlns:ma14="http://schemas.microsoft.com/office/mac/drawingml/2011/main" xmlns="" val="1"/>
+                <ma14:wrappingTextBoxFlag xmlns="" xmlns:ma14="http://schemas.microsoft.com/office/mac/drawingml/2011/main" val="1"/>
               </a:ext>
             </a:extLst>
           </p:spPr>
@@ -6178,7 +6179,7 @@
             <a:effectLst/>
             <a:extLst>
               <a:ext uri="{C572A759-6A51-4108-AA02-DFA0A04FC94B}">
-                <ma14:wrappingTextBoxFlag xmlns:ma14="http://schemas.microsoft.com/office/mac/drawingml/2011/main" xmlns="" val="1"/>
+                <ma14:wrappingTextBoxFlag xmlns="" xmlns:ma14="http://schemas.microsoft.com/office/mac/drawingml/2011/main" val="1"/>
               </a:ext>
             </a:extLst>
           </p:spPr>
@@ -6471,7 +6472,7 @@
             <a:effectLst/>
             <a:extLst>
               <a:ext uri="{C572A759-6A51-4108-AA02-DFA0A04FC94B}">
-                <ma14:wrappingTextBoxFlag xmlns:ma14="http://schemas.microsoft.com/office/mac/drawingml/2011/main" xmlns="" val="1"/>
+                <ma14:wrappingTextBoxFlag xmlns="" xmlns:ma14="http://schemas.microsoft.com/office/mac/drawingml/2011/main" val="1"/>
               </a:ext>
             </a:extLst>
           </p:spPr>
@@ -6764,7 +6765,7 @@
             <a:effectLst/>
             <a:extLst>
               <a:ext uri="{C572A759-6A51-4108-AA02-DFA0A04FC94B}">
-                <ma14:wrappingTextBoxFlag xmlns:ma14="http://schemas.microsoft.com/office/mac/drawingml/2011/main" xmlns="" val="1"/>
+                <ma14:wrappingTextBoxFlag xmlns="" xmlns:ma14="http://schemas.microsoft.com/office/mac/drawingml/2011/main" val="1"/>
               </a:ext>
             </a:extLst>
           </p:spPr>
@@ -7796,7 +7797,7 @@
             <a:effectLst/>
             <a:extLst>
               <a:ext uri="{C572A759-6A51-4108-AA02-DFA0A04FC94B}">
-                <ma14:wrappingTextBoxFlag xmlns:ma14="http://schemas.microsoft.com/office/mac/drawingml/2011/main" xmlns="" val="1"/>
+                <ma14:wrappingTextBoxFlag xmlns="" xmlns:ma14="http://schemas.microsoft.com/office/mac/drawingml/2011/main" val="1"/>
               </a:ext>
             </a:extLst>
           </p:spPr>
@@ -8439,7 +8440,7 @@
             <a:effectLst/>
             <a:extLst>
               <a:ext uri="{C572A759-6A51-4108-AA02-DFA0A04FC94B}">
-                <ma14:wrappingTextBoxFlag xmlns:ma14="http://schemas.microsoft.com/office/mac/drawingml/2011/main" xmlns="" val="1"/>
+                <ma14:wrappingTextBoxFlag xmlns="" xmlns:ma14="http://schemas.microsoft.com/office/mac/drawingml/2011/main" val="1"/>
               </a:ext>
             </a:extLst>
           </p:spPr>
@@ -9049,7 +9050,7 @@
             <a:effectLst/>
             <a:extLst>
               <a:ext uri="{C572A759-6A51-4108-AA02-DFA0A04FC94B}">
-                <ma14:wrappingTextBoxFlag xmlns:ma14="http://schemas.microsoft.com/office/mac/drawingml/2011/main" xmlns="" val="1"/>
+                <ma14:wrappingTextBoxFlag xmlns="" xmlns:ma14="http://schemas.microsoft.com/office/mac/drawingml/2011/main" val="1"/>
               </a:ext>
             </a:extLst>
           </p:spPr>
@@ -9780,7 +9781,7 @@
             <a:effectLst/>
             <a:extLst>
               <a:ext uri="{C572A759-6A51-4108-AA02-DFA0A04FC94B}">
-                <ma14:wrappingTextBoxFlag xmlns:ma14="http://schemas.microsoft.com/office/mac/drawingml/2011/main" xmlns="" val="1"/>
+                <ma14:wrappingTextBoxFlag xmlns="" xmlns:ma14="http://schemas.microsoft.com/office/mac/drawingml/2011/main" val="1"/>
               </a:ext>
             </a:extLst>
           </p:spPr>
@@ -11079,7 +11080,7 @@
             <a:effectLst/>
             <a:extLst>
               <a:ext uri="{C572A759-6A51-4108-AA02-DFA0A04FC94B}">
-                <ma14:wrappingTextBoxFlag xmlns:ma14="http://schemas.microsoft.com/office/mac/drawingml/2011/main" xmlns="" val="1"/>
+                <ma14:wrappingTextBoxFlag xmlns="" xmlns:ma14="http://schemas.microsoft.com/office/mac/drawingml/2011/main" val="1"/>
               </a:ext>
             </a:extLst>
           </p:spPr>
@@ -12002,7 +12003,7 @@
             <a:effectLst/>
             <a:extLst>
               <a:ext uri="{C572A759-6A51-4108-AA02-DFA0A04FC94B}">
-                <ma14:wrappingTextBoxFlag xmlns:ma14="http://schemas.microsoft.com/office/mac/drawingml/2011/main" xmlns="" val="1"/>
+                <ma14:wrappingTextBoxFlag xmlns="" xmlns:ma14="http://schemas.microsoft.com/office/mac/drawingml/2011/main" val="1"/>
               </a:ext>
             </a:extLst>
           </p:spPr>
@@ -12697,7 +12698,7 @@
             <a:effectLst/>
             <a:extLst>
               <a:ext uri="{C572A759-6A51-4108-AA02-DFA0A04FC94B}">
-                <ma14:wrappingTextBoxFlag xmlns:ma14="http://schemas.microsoft.com/office/mac/drawingml/2011/main" xmlns="" val="1"/>
+                <ma14:wrappingTextBoxFlag xmlns="" xmlns:ma14="http://schemas.microsoft.com/office/mac/drawingml/2011/main" val="1"/>
               </a:ext>
             </a:extLst>
           </p:spPr>
@@ -15143,7 +15144,7 @@
             <a:effectLst/>
             <a:extLst>
               <a:ext uri="{C572A759-6A51-4108-AA02-DFA0A04FC94B}">
-                <ma14:wrappingTextBoxFlag xmlns:ma14="http://schemas.microsoft.com/office/mac/drawingml/2011/main" xmlns="" val="1"/>
+                <ma14:wrappingTextBoxFlag xmlns="" xmlns:ma14="http://schemas.microsoft.com/office/mac/drawingml/2011/main" val="1"/>
               </a:ext>
             </a:extLst>
           </p:spPr>
@@ -15378,7 +15379,7 @@
             <a:effectLst/>
             <a:extLst>
               <a:ext uri="{C572A759-6A51-4108-AA02-DFA0A04FC94B}">
-                <ma14:wrappingTextBoxFlag xmlns:ma14="http://schemas.microsoft.com/office/mac/drawingml/2011/main" xmlns="" val="1"/>
+                <ma14:wrappingTextBoxFlag xmlns="" xmlns:ma14="http://schemas.microsoft.com/office/mac/drawingml/2011/main" val="1"/>
               </a:ext>
             </a:extLst>
           </p:spPr>
@@ -15885,7 +15886,7 @@
             <a:effectLst/>
             <a:extLst>
               <a:ext uri="{C572A759-6A51-4108-AA02-DFA0A04FC94B}">
-                <ma14:wrappingTextBoxFlag xmlns:ma14="http://schemas.microsoft.com/office/mac/drawingml/2011/main" xmlns="" val="1"/>
+                <ma14:wrappingTextBoxFlag xmlns="" xmlns:ma14="http://schemas.microsoft.com/office/mac/drawingml/2011/main" val="1"/>
               </a:ext>
             </a:extLst>
           </p:spPr>
@@ -17264,7 +17265,7 @@
             <a:effectLst/>
             <a:extLst>
               <a:ext uri="{C572A759-6A51-4108-AA02-DFA0A04FC94B}">
-                <ma14:wrappingTextBoxFlag xmlns:ma14="http://schemas.microsoft.com/office/mac/drawingml/2011/main" xmlns="" val="1"/>
+                <ma14:wrappingTextBoxFlag xmlns="" xmlns:ma14="http://schemas.microsoft.com/office/mac/drawingml/2011/main" val="1"/>
               </a:ext>
             </a:extLst>
           </p:spPr>
@@ -17831,7 +17832,7 @@
             <a:effectLst/>
             <a:extLst>
               <a:ext uri="{C572A759-6A51-4108-AA02-DFA0A04FC94B}">
-                <ma14:wrappingTextBoxFlag xmlns:ma14="http://schemas.microsoft.com/office/mac/drawingml/2011/main" xmlns="" val="1"/>
+                <ma14:wrappingTextBoxFlag xmlns="" xmlns:ma14="http://schemas.microsoft.com/office/mac/drawingml/2011/main" val="1"/>
               </a:ext>
             </a:extLst>
           </p:spPr>
@@ -18580,7 +18581,7 @@
             <a:effectLst/>
             <a:extLst>
               <a:ext uri="{C572A759-6A51-4108-AA02-DFA0A04FC94B}">
-                <ma14:wrappingTextBoxFlag xmlns:ma14="http://schemas.microsoft.com/office/mac/drawingml/2011/main" xmlns="" val="1"/>
+                <ma14:wrappingTextBoxFlag xmlns="" xmlns:ma14="http://schemas.microsoft.com/office/mac/drawingml/2011/main" val="1"/>
               </a:ext>
             </a:extLst>
           </p:spPr>
@@ -19502,7 +19503,7 @@
             <a:effectLst/>
             <a:extLst>
               <a:ext uri="{C572A759-6A51-4108-AA02-DFA0A04FC94B}">
-                <ma14:wrappingTextBoxFlag xmlns:ma14="http://schemas.microsoft.com/office/mac/drawingml/2011/main" xmlns="" val="1"/>
+                <ma14:wrappingTextBoxFlag xmlns="" xmlns:ma14="http://schemas.microsoft.com/office/mac/drawingml/2011/main" val="1"/>
               </a:ext>
             </a:extLst>
           </p:spPr>
@@ -20231,7 +20232,7 @@
             <a:effectLst/>
             <a:extLst>
               <a:ext uri="{C572A759-6A51-4108-AA02-DFA0A04FC94B}">
-                <ma14:wrappingTextBoxFlag xmlns:ma14="http://schemas.microsoft.com/office/mac/drawingml/2011/main" xmlns="" val="1"/>
+                <ma14:wrappingTextBoxFlag xmlns="" xmlns:ma14="http://schemas.microsoft.com/office/mac/drawingml/2011/main" val="1"/>
               </a:ext>
             </a:extLst>
           </p:spPr>
@@ -20940,7 +20941,7 @@
             <a:effectLst/>
             <a:extLst>
               <a:ext uri="{C572A759-6A51-4108-AA02-DFA0A04FC94B}">
-                <ma14:wrappingTextBoxFlag xmlns:ma14="http://schemas.microsoft.com/office/mac/drawingml/2011/main" xmlns="" val="1"/>
+                <ma14:wrappingTextBoxFlag xmlns="" xmlns:ma14="http://schemas.microsoft.com/office/mac/drawingml/2011/main" val="1"/>
               </a:ext>
             </a:extLst>
           </p:spPr>
@@ -21672,7 +21673,7 @@
             <a:effectLst/>
             <a:extLst>
               <a:ext uri="{C572A759-6A51-4108-AA02-DFA0A04FC94B}">
-                <ma14:wrappingTextBoxFlag xmlns:ma14="http://schemas.microsoft.com/office/mac/drawingml/2011/main" xmlns="" val="1"/>
+                <ma14:wrappingTextBoxFlag xmlns="" xmlns:ma14="http://schemas.microsoft.com/office/mac/drawingml/2011/main" val="1"/>
               </a:ext>
             </a:extLst>
           </p:spPr>
@@ -22555,7 +22556,7 @@
             <a:effectLst/>
             <a:extLst>
               <a:ext uri="{C572A759-6A51-4108-AA02-DFA0A04FC94B}">
-                <ma14:wrappingTextBoxFlag xmlns:ma14="http://schemas.microsoft.com/office/mac/drawingml/2011/main" xmlns="" val="1"/>
+                <ma14:wrappingTextBoxFlag xmlns="" xmlns:ma14="http://schemas.microsoft.com/office/mac/drawingml/2011/main" val="1"/>
               </a:ext>
             </a:extLst>
           </p:spPr>
@@ -23810,7 +23811,7 @@
             <a:effectLst/>
             <a:extLst>
               <a:ext uri="{C572A759-6A51-4108-AA02-DFA0A04FC94B}">
-                <ma14:wrappingTextBoxFlag xmlns:ma14="http://schemas.microsoft.com/office/mac/drawingml/2011/main" xmlns="" val="1"/>
+                <ma14:wrappingTextBoxFlag xmlns="" xmlns:ma14="http://schemas.microsoft.com/office/mac/drawingml/2011/main" val="1"/>
               </a:ext>
             </a:extLst>
           </p:spPr>
@@ -25341,7 +25342,7 @@
             <a:effectLst/>
             <a:extLst>
               <a:ext uri="{C572A759-6A51-4108-AA02-DFA0A04FC94B}">
-                <ma14:wrappingTextBoxFlag xmlns:ma14="http://schemas.microsoft.com/office/mac/drawingml/2011/main" xmlns="" val="1"/>
+                <ma14:wrappingTextBoxFlag xmlns="" xmlns:ma14="http://schemas.microsoft.com/office/mac/drawingml/2011/main" val="1"/>
               </a:ext>
             </a:extLst>
           </p:spPr>
@@ -29127,7 +29128,7 @@
             <a:effectLst/>
             <a:extLst>
               <a:ext uri="{C572A759-6A51-4108-AA02-DFA0A04FC94B}">
-                <ma14:wrappingTextBoxFlag xmlns:ma14="http://schemas.microsoft.com/office/mac/drawingml/2011/main" xmlns="" val="1"/>
+                <ma14:wrappingTextBoxFlag xmlns="" xmlns:ma14="http://schemas.microsoft.com/office/mac/drawingml/2011/main" val="1"/>
               </a:ext>
             </a:extLst>
           </p:spPr>
@@ -29523,7 +29524,7 @@
             <a:effectLst/>
             <a:extLst>
               <a:ext uri="{C572A759-6A51-4108-AA02-DFA0A04FC94B}">
-                <ma14:wrappingTextBoxFlag xmlns:ma14="http://schemas.microsoft.com/office/mac/drawingml/2011/main" xmlns="" val="1"/>
+                <ma14:wrappingTextBoxFlag xmlns="" xmlns:ma14="http://schemas.microsoft.com/office/mac/drawingml/2011/main" val="1"/>
               </a:ext>
             </a:extLst>
           </p:spPr>
@@ -32802,7 +32803,7 @@
             <a:effectLst/>
             <a:extLst>
               <a:ext uri="{C572A759-6A51-4108-AA02-DFA0A04FC94B}">
-                <ma14:wrappingTextBoxFlag xmlns:ma14="http://schemas.microsoft.com/office/mac/drawingml/2011/main" xmlns="" val="1"/>
+                <ma14:wrappingTextBoxFlag xmlns="" xmlns:ma14="http://schemas.microsoft.com/office/mac/drawingml/2011/main" val="1"/>
               </a:ext>
             </a:extLst>
           </p:spPr>
@@ -34016,7 +34017,7 @@
             <a:effectLst/>
             <a:extLst>
               <a:ext uri="{C572A759-6A51-4108-AA02-DFA0A04FC94B}">
-                <ma14:wrappingTextBoxFlag xmlns:ma14="http://schemas.microsoft.com/office/mac/drawingml/2011/main" xmlns="" val="1"/>
+                <ma14:wrappingTextBoxFlag xmlns="" xmlns:ma14="http://schemas.microsoft.com/office/mac/drawingml/2011/main" val="1"/>
               </a:ext>
             </a:extLst>
           </p:spPr>
@@ -34548,7 +34549,7 @@
             <a:effectLst/>
             <a:extLst>
               <a:ext uri="{C572A759-6A51-4108-AA02-DFA0A04FC94B}">
-                <ma14:wrappingTextBoxFlag xmlns:ma14="http://schemas.microsoft.com/office/mac/drawingml/2011/main" xmlns="" val="1"/>
+                <ma14:wrappingTextBoxFlag xmlns="" xmlns:ma14="http://schemas.microsoft.com/office/mac/drawingml/2011/main" val="1"/>
               </a:ext>
             </a:extLst>
           </p:spPr>
@@ -35153,7 +35154,7 @@
             <a:effectLst/>
             <a:extLst>
               <a:ext uri="{C572A759-6A51-4108-AA02-DFA0A04FC94B}">
-                <ma14:wrappingTextBoxFlag xmlns:ma14="http://schemas.microsoft.com/office/mac/drawingml/2011/main" xmlns="" val="1"/>
+                <ma14:wrappingTextBoxFlag xmlns="" xmlns:ma14="http://schemas.microsoft.com/office/mac/drawingml/2011/main" val="1"/>
               </a:ext>
             </a:extLst>
           </p:spPr>
@@ -35404,7 +35405,7 @@
             <a:effectLst/>
             <a:extLst>
               <a:ext uri="{C572A759-6A51-4108-AA02-DFA0A04FC94B}">
-                <ma14:wrappingTextBoxFlag xmlns:ma14="http://schemas.microsoft.com/office/mac/drawingml/2011/main" xmlns="" val="1"/>
+                <ma14:wrappingTextBoxFlag xmlns="" xmlns:ma14="http://schemas.microsoft.com/office/mac/drawingml/2011/main" val="1"/>
               </a:ext>
             </a:extLst>
           </p:spPr>
@@ -38370,7 +38371,7 @@
             <a:effectLst/>
             <a:extLst>
               <a:ext uri="{C572A759-6A51-4108-AA02-DFA0A04FC94B}">
-                <ma14:wrappingTextBoxFlag xmlns:ma14="http://schemas.microsoft.com/office/mac/drawingml/2011/main" xmlns="" val="1"/>
+                <ma14:wrappingTextBoxFlag xmlns="" xmlns:ma14="http://schemas.microsoft.com/office/mac/drawingml/2011/main" val="1"/>
               </a:ext>
             </a:extLst>
           </p:spPr>
@@ -49743,7 +49744,7 @@
           <a:effectLst/>
           <a:extLst>
             <a:ext uri="{C572A759-6A51-4108-AA02-DFA0A04FC94B}">
-              <ma14:wrappingTextBoxFlag xmlns:ma14="http://schemas.microsoft.com/office/mac/drawingml/2011/main" xmlns="" val="1"/>
+              <ma14:wrappingTextBoxFlag xmlns="" xmlns:ma14="http://schemas.microsoft.com/office/mac/drawingml/2011/main" val="1"/>
             </a:ext>
           </a:extLst>
         </p:spPr>
@@ -49798,7 +49799,7 @@
           <a:effectLst/>
           <a:extLst>
             <a:ext uri="{C572A759-6A51-4108-AA02-DFA0A04FC94B}">
-              <ma14:wrappingTextBoxFlag xmlns:ma14="http://schemas.microsoft.com/office/mac/drawingml/2011/main" xmlns="" val="1"/>
+              <ma14:wrappingTextBoxFlag xmlns="" xmlns:ma14="http://schemas.microsoft.com/office/mac/drawingml/2011/main" val="1"/>
             </a:ext>
           </a:extLst>
         </p:spPr>
@@ -49853,7 +49854,7 @@
           <a:effectLst/>
           <a:extLst>
             <a:ext uri="{C572A759-6A51-4108-AA02-DFA0A04FC94B}">
-              <ma14:wrappingTextBoxFlag xmlns:ma14="http://schemas.microsoft.com/office/mac/drawingml/2011/main" xmlns="" val="1"/>
+              <ma14:wrappingTextBoxFlag xmlns="" xmlns:ma14="http://schemas.microsoft.com/office/mac/drawingml/2011/main" val="1"/>
             </a:ext>
           </a:extLst>
         </p:spPr>
@@ -49908,7 +49909,7 @@
           <a:effectLst/>
           <a:extLst>
             <a:ext uri="{C572A759-6A51-4108-AA02-DFA0A04FC94B}">
-              <ma14:wrappingTextBoxFlag xmlns:ma14="http://schemas.microsoft.com/office/mac/drawingml/2011/main" xmlns="" val="1"/>
+              <ma14:wrappingTextBoxFlag xmlns="" xmlns:ma14="http://schemas.microsoft.com/office/mac/drawingml/2011/main" val="1"/>
             </a:ext>
           </a:extLst>
         </p:spPr>
@@ -49963,7 +49964,7 @@
           <a:effectLst/>
           <a:extLst>
             <a:ext uri="{C572A759-6A51-4108-AA02-DFA0A04FC94B}">
-              <ma14:wrappingTextBoxFlag xmlns:ma14="http://schemas.microsoft.com/office/mac/drawingml/2011/main" xmlns="" val="1"/>
+              <ma14:wrappingTextBoxFlag xmlns="" xmlns:ma14="http://schemas.microsoft.com/office/mac/drawingml/2011/main" val="1"/>
             </a:ext>
           </a:extLst>
         </p:spPr>
@@ -50018,7 +50019,7 @@
           <a:effectLst/>
           <a:extLst>
             <a:ext uri="{C572A759-6A51-4108-AA02-DFA0A04FC94B}">
-              <ma14:wrappingTextBoxFlag xmlns:ma14="http://schemas.microsoft.com/office/mac/drawingml/2011/main" xmlns="" val="1"/>
+              <ma14:wrappingTextBoxFlag xmlns="" xmlns:ma14="http://schemas.microsoft.com/office/mac/drawingml/2011/main" val="1"/>
             </a:ext>
           </a:extLst>
         </p:spPr>
@@ -50087,7 +50088,7 @@
             <a:effectLst/>
             <a:extLst>
               <a:ext uri="{C572A759-6A51-4108-AA02-DFA0A04FC94B}">
-                <ma14:wrappingTextBoxFlag xmlns:ma14="http://schemas.microsoft.com/office/mac/drawingml/2011/main" xmlns="" val="1"/>
+                <ma14:wrappingTextBoxFlag xmlns="" xmlns:ma14="http://schemas.microsoft.com/office/mac/drawingml/2011/main" val="1"/>
               </a:ext>
             </a:extLst>
           </p:spPr>
@@ -51075,11 +51076,11 @@
               <a:t>Terraform has detailed logs which can be enabled by setting the TF_LOG environment variable to any value. This will cause detailed logs to appear on </a:t>
             </a:r>
             <a:r>
-              <a:rPr lang="en-US" dirty="0" err="1"/>
-              <a:t>stderr</a:t>
-            </a:r>
-            <a:r>
-              <a:rPr lang="en-US" dirty="0" smtClean="0"/>
+              <a:rPr lang="pl-PL" smtClean="0"/>
+              <a:t>your comand line tool</a:t>
+            </a:r>
+            <a:r>
+              <a:rPr lang="en-US" smtClean="0"/>
               <a:t>.</a:t>
             </a:r>
             <a:endParaRPr lang="pl-PL" dirty="0" smtClean="0"/>
@@ -51335,11 +51336,16 @@
           <a:lstStyle/>
           <a:p>
             <a:pPr marL="914400" indent="-914400" algn="l">
+              <a:buFontTx/>
               <a:buAutoNum type="arabicPeriod"/>
             </a:pPr>
             <a:r>
               <a:rPr lang="pl-PL" dirty="0" smtClean="0"/>
-              <a:t>Authentication </a:t>
+              <a:t>Azure Provider for Terraform </a:t>
+            </a:r>
+            <a:r>
+              <a:rPr lang="pl-PL" dirty="0"/>
+              <a:t>supports ARM Templates. </a:t>
             </a:r>
             <a:r>
               <a:rPr lang="pl-PL" dirty="0" smtClean="0">
@@ -51355,8 +51361,57 @@
             </a:pPr>
             <a:r>
               <a:rPr lang="pl-PL" dirty="0" smtClean="0"/>
+              <a:t>Authentication </a:t>
+            </a:r>
+            <a:r>
+              <a:rPr lang="pl-PL" dirty="0" smtClean="0">
+                <a:hlinkClick r:id="rId3"/>
+              </a:rPr>
+              <a:t>Link</a:t>
+            </a:r>
+            <a:endParaRPr lang="pl-PL" dirty="0" smtClean="0"/>
+          </a:p>
+          <a:p>
+            <a:pPr marL="914400" indent="-914400" algn="l">
+              <a:buAutoNum type="arabicPeriod"/>
+            </a:pPr>
+            <a:r>
+              <a:rPr lang="pl-PL" dirty="0" smtClean="0"/>
               <a:t>Backend configuration</a:t>
             </a:r>
+          </a:p>
+          <a:p>
+            <a:pPr algn="l"/>
+            <a:endParaRPr lang="pl-PL" dirty="0" smtClean="0"/>
+          </a:p>
+          <a:p>
+            <a:pPr algn="l"/>
+            <a:r>
+              <a:rPr lang="pl-PL" dirty="0" smtClean="0"/>
+              <a:t>General sugestion</a:t>
+            </a:r>
+          </a:p>
+          <a:p>
+            <a:pPr algn="l"/>
+            <a:r>
+              <a:rPr lang="pl-PL" dirty="0" smtClean="0"/>
+              <a:t>1. 	Last </a:t>
+            </a:r>
+            <a:r>
+              <a:rPr lang="pl-PL" dirty="0"/>
+              <a:t>line of defence against Azure local-exec Provisioner </a:t>
+            </a:r>
+            <a:r>
+              <a:rPr lang="pl-PL" dirty="0">
+                <a:hlinkClick r:id="rId4"/>
+              </a:rPr>
+              <a:t>Link</a:t>
+            </a:r>
+            <a:endParaRPr lang="pl-PL" dirty="0"/>
+          </a:p>
+          <a:p>
+            <a:pPr algn="l"/>
+            <a:endParaRPr lang="pl-PL" dirty="0" smtClean="0"/>
           </a:p>
         </p:txBody>
       </p:sp>
@@ -51448,6 +51503,85 @@
           <a:lstStyle/>
           <a:p>
             <a:pPr algn="l"/>
+            <a:endParaRPr lang="pl-PL" dirty="0" smtClean="0"/>
+          </a:p>
+          <a:p>
+            <a:pPr algn="l"/>
+            <a:endParaRPr lang="pl-PL" dirty="0"/>
+          </a:p>
+          <a:p>
+            <a:pPr algn="l"/>
+            <a:endParaRPr lang="pl-PL" dirty="0" smtClean="0"/>
+          </a:p>
+          <a:p>
+            <a:pPr algn="l"/>
+            <a:endParaRPr lang="pl-PL" dirty="0" smtClean="0"/>
+          </a:p>
+          <a:p>
+            <a:pPr algn="l"/>
+            <a:endParaRPr lang="pl-PL" dirty="0"/>
+          </a:p>
+          <a:p>
+            <a:pPr algn="l"/>
+            <a:endParaRPr lang="pl-PL" dirty="0" smtClean="0"/>
+          </a:p>
+          <a:p>
+            <a:pPr algn="l"/>
+            <a:endParaRPr lang="pl-PL" dirty="0" smtClean="0"/>
+          </a:p>
+          <a:p>
+            <a:pPr marL="914400" indent="-914400" algn="l">
+              <a:buAutoNum type="arabicPeriod"/>
+            </a:pPr>
+            <a:r>
+              <a:rPr lang="en-US" dirty="0" smtClean="0"/>
+              <a:t>All passwords will be generated in terraform and stored in K</a:t>
+            </a:r>
+            <a:r>
+              <a:rPr lang="pl-PL" dirty="0" smtClean="0"/>
+              <a:t>V </a:t>
+            </a:r>
+          </a:p>
+          <a:p>
+            <a:pPr marL="914400" indent="-914400" algn="l">
+              <a:buAutoNum type="arabicPeriod"/>
+            </a:pPr>
+            <a:r>
+              <a:rPr lang="pl-PL" smtClean="0"/>
+              <a:t>Allow </a:t>
+            </a:r>
+            <a:r>
+              <a:rPr lang="pl-PL" smtClean="0"/>
+              <a:t>http/https/Rdp </a:t>
+            </a:r>
+            <a:r>
+              <a:rPr lang="pl-PL" dirty="0" smtClean="0"/>
+              <a:t>traffic on app subnet using terraform</a:t>
+            </a:r>
+          </a:p>
+          <a:p>
+            <a:pPr marL="914400" indent="-914400" algn="l">
+              <a:buAutoNum type="arabicPeriod"/>
+            </a:pPr>
+            <a:r>
+              <a:rPr lang="pl-PL" dirty="0" smtClean="0"/>
+              <a:t>Vms will be </a:t>
+            </a:r>
+            <a:r>
+              <a:rPr lang="pl-PL" dirty="0"/>
+              <a:t>in </a:t>
+            </a:r>
+            <a:r>
+              <a:rPr lang="pl-PL" dirty="0" smtClean="0"/>
+              <a:t>availability set</a:t>
+            </a:r>
+          </a:p>
+          <a:p>
+            <a:pPr algn="l"/>
+            <a:endParaRPr lang="pl-PL" dirty="0" smtClean="0"/>
+          </a:p>
+          <a:p>
+            <a:pPr algn="l"/>
             <a:r>
               <a:rPr lang="pl-PL" dirty="0" smtClean="0"/>
               <a:t>Lets play </a:t>
@@ -51458,7 +51592,236 @@
               </a:rPr>
               <a:t></a:t>
             </a:r>
+          </a:p>
+          <a:p>
+            <a:pPr algn="l"/>
+            <a:endParaRPr lang="pl-PL" dirty="0">
+              <a:sym typeface="Wingdings" panose="05000000000000000000" pitchFamily="2" charset="2"/>
+            </a:endParaRPr>
+          </a:p>
+          <a:p>
+            <a:pPr algn="l"/>
             <a:endParaRPr lang="pl-PL" dirty="0" smtClean="0"/>
+          </a:p>
+        </p:txBody>
+      </p:sp>
+      <p:sp>
+        <p:nvSpPr>
+          <p:cNvPr id="23" name="Rectangle 22"/>
+          <p:cNvSpPr/>
+          <p:nvPr/>
+        </p:nvSpPr>
+        <p:spPr>
+          <a:xfrm>
+            <a:off x="2398118" y="4033813"/>
+            <a:ext cx="2736304" cy="1440160"/>
+          </a:xfrm>
+          <a:prstGeom prst="rect">
+            <a:avLst/>
+          </a:prstGeom>
+        </p:spPr>
+        <p:style>
+          <a:lnRef idx="2">
+            <a:schemeClr val="accent1">
+              <a:shade val="50000"/>
+            </a:schemeClr>
+          </a:lnRef>
+          <a:fillRef idx="1">
+            <a:schemeClr val="accent1"/>
+          </a:fillRef>
+          <a:effectRef idx="0">
+            <a:schemeClr val="accent1"/>
+          </a:effectRef>
+          <a:fontRef idx="minor">
+            <a:schemeClr val="lt1"/>
+          </a:fontRef>
+        </p:style>
+        <p:txBody>
+          <a:bodyPr rtlCol="0" anchor="ctr"/>
+          <a:lstStyle/>
+          <a:p>
+            <a:pPr algn="ctr"/>
+            <a:r>
+              <a:rPr lang="pl-PL" dirty="0" smtClean="0"/>
+              <a:t>Key Vault</a:t>
+            </a:r>
+            <a:endParaRPr lang="pl-PL" dirty="0"/>
+          </a:p>
+        </p:txBody>
+      </p:sp>
+      <p:sp>
+        <p:nvSpPr>
+          <p:cNvPr id="28" name="Rectangle 27"/>
+          <p:cNvSpPr/>
+          <p:nvPr/>
+        </p:nvSpPr>
+        <p:spPr>
+          <a:xfrm>
+            <a:off x="2398118" y="6266061"/>
+            <a:ext cx="2736304" cy="1440160"/>
+          </a:xfrm>
+          <a:prstGeom prst="rect">
+            <a:avLst/>
+          </a:prstGeom>
+        </p:spPr>
+        <p:style>
+          <a:lnRef idx="2">
+            <a:schemeClr val="accent1">
+              <a:shade val="50000"/>
+            </a:schemeClr>
+          </a:lnRef>
+          <a:fillRef idx="1">
+            <a:schemeClr val="accent1"/>
+          </a:fillRef>
+          <a:effectRef idx="0">
+            <a:schemeClr val="accent1"/>
+          </a:effectRef>
+          <a:fontRef idx="minor">
+            <a:schemeClr val="lt1"/>
+          </a:fontRef>
+        </p:style>
+        <p:txBody>
+          <a:bodyPr rtlCol="0" anchor="ctr"/>
+          <a:lstStyle/>
+          <a:p>
+            <a:pPr algn="ctr"/>
+            <a:r>
+              <a:rPr lang="pl-PL" dirty="0" smtClean="0"/>
+              <a:t>Vnet</a:t>
+            </a:r>
+            <a:endParaRPr lang="pl-PL" dirty="0"/>
+          </a:p>
+        </p:txBody>
+      </p:sp>
+      <p:sp>
+        <p:nvSpPr>
+          <p:cNvPr id="29" name="Rectangle 28"/>
+          <p:cNvSpPr/>
+          <p:nvPr/>
+        </p:nvSpPr>
+        <p:spPr>
+          <a:xfrm>
+            <a:off x="5782494" y="6266061"/>
+            <a:ext cx="2664296" cy="1440160"/>
+          </a:xfrm>
+          <a:prstGeom prst="rect">
+            <a:avLst/>
+          </a:prstGeom>
+        </p:spPr>
+        <p:style>
+          <a:lnRef idx="2">
+            <a:schemeClr val="accent1">
+              <a:shade val="50000"/>
+            </a:schemeClr>
+          </a:lnRef>
+          <a:fillRef idx="1">
+            <a:schemeClr val="accent1"/>
+          </a:fillRef>
+          <a:effectRef idx="0">
+            <a:schemeClr val="accent1"/>
+          </a:effectRef>
+          <a:fontRef idx="minor">
+            <a:schemeClr val="lt1"/>
+          </a:fontRef>
+        </p:style>
+        <p:txBody>
+          <a:bodyPr rtlCol="0" anchor="ctr"/>
+          <a:lstStyle/>
+          <a:p>
+            <a:pPr algn="ctr"/>
+            <a:r>
+              <a:rPr lang="pl-PL" dirty="0" smtClean="0"/>
+              <a:t>App - Subnet </a:t>
+            </a:r>
+            <a:endParaRPr lang="pl-PL" dirty="0"/>
+          </a:p>
+        </p:txBody>
+      </p:sp>
+      <p:sp>
+        <p:nvSpPr>
+          <p:cNvPr id="30" name="Rectangle 29"/>
+          <p:cNvSpPr/>
+          <p:nvPr/>
+        </p:nvSpPr>
+        <p:spPr>
+          <a:xfrm>
+            <a:off x="9126575" y="6266061"/>
+            <a:ext cx="2664296" cy="1440160"/>
+          </a:xfrm>
+          <a:prstGeom prst="rect">
+            <a:avLst/>
+          </a:prstGeom>
+        </p:spPr>
+        <p:style>
+          <a:lnRef idx="2">
+            <a:schemeClr val="accent1">
+              <a:shade val="50000"/>
+            </a:schemeClr>
+          </a:lnRef>
+          <a:fillRef idx="1">
+            <a:schemeClr val="accent1"/>
+          </a:fillRef>
+          <a:effectRef idx="0">
+            <a:schemeClr val="accent1"/>
+          </a:effectRef>
+          <a:fontRef idx="minor">
+            <a:schemeClr val="lt1"/>
+          </a:fontRef>
+        </p:style>
+        <p:txBody>
+          <a:bodyPr rtlCol="0" anchor="ctr"/>
+          <a:lstStyle/>
+          <a:p>
+            <a:pPr algn="ctr"/>
+            <a:r>
+              <a:rPr lang="pl-PL" dirty="0" smtClean="0"/>
+              <a:t>2 - VMs</a:t>
+            </a:r>
+            <a:endParaRPr lang="pl-PL" dirty="0"/>
+          </a:p>
+        </p:txBody>
+      </p:sp>
+      <p:sp>
+        <p:nvSpPr>
+          <p:cNvPr id="32" name="Rectangle 31"/>
+          <p:cNvSpPr/>
+          <p:nvPr/>
+        </p:nvSpPr>
+        <p:spPr>
+          <a:xfrm>
+            <a:off x="12335222" y="6242779"/>
+            <a:ext cx="2664296" cy="1440160"/>
+          </a:xfrm>
+          <a:prstGeom prst="rect">
+            <a:avLst/>
+          </a:prstGeom>
+        </p:spPr>
+        <p:style>
+          <a:lnRef idx="2">
+            <a:schemeClr val="accent1">
+              <a:shade val="50000"/>
+            </a:schemeClr>
+          </a:lnRef>
+          <a:fillRef idx="1">
+            <a:schemeClr val="accent1"/>
+          </a:fillRef>
+          <a:effectRef idx="0">
+            <a:schemeClr val="accent1"/>
+          </a:effectRef>
+          <a:fontRef idx="minor">
+            <a:schemeClr val="lt1"/>
+          </a:fontRef>
+        </p:style>
+        <p:txBody>
+          <a:bodyPr rtlCol="0" anchor="ctr"/>
+          <a:lstStyle/>
+          <a:p>
+            <a:pPr algn="ctr"/>
+            <a:r>
+              <a:rPr lang="pl-PL" dirty="0" smtClean="0"/>
+              <a:t>Public IP</a:t>
+            </a:r>
+            <a:endParaRPr lang="pl-PL" dirty="0"/>
           </a:p>
         </p:txBody>
       </p:sp>
@@ -51509,26 +51872,553 @@
             <p:ph type="ctrTitle"/>
           </p:nvPr>
         </p:nvSpPr>
-        <p:spPr/>
+        <p:spPr>
+          <a:xfrm>
+            <a:off x="1803009" y="1729557"/>
+            <a:ext cx="20737513" cy="1754326"/>
+          </a:xfrm>
+        </p:spPr>
+        <p:txBody>
+          <a:bodyPr>
+            <a:spAutoFit/>
+          </a:bodyPr>
+          <a:lstStyle/>
+          <a:p>
+            <a:r>
+              <a:rPr lang="pl-PL" kern="900" dirty="0" smtClean="0"/>
+              <a:t>Homework</a:t>
+            </a:r>
+            <a:endParaRPr lang="en-US" kern="900" dirty="0"/>
+          </a:p>
+        </p:txBody>
+      </p:sp>
+      <p:sp>
+        <p:nvSpPr>
+          <p:cNvPr id="3" name="Text Placeholder 2"/>
+          <p:cNvSpPr>
+            <a:spLocks noGrp="1"/>
+          </p:cNvSpPr>
+          <p:nvPr>
+            <p:ph type="body" sz="quarter" idx="18"/>
+          </p:nvPr>
+        </p:nvSpPr>
+        <p:spPr>
+          <a:xfrm>
+            <a:off x="1894062" y="3673773"/>
+            <a:ext cx="20737513" cy="9433048"/>
+          </a:xfrm>
+        </p:spPr>
         <p:txBody>
           <a:bodyPr/>
           <a:lstStyle/>
           <a:p>
+            <a:pPr algn="l"/>
+            <a:endParaRPr lang="pl-PL" dirty="0" smtClean="0"/>
+          </a:p>
+          <a:p>
+            <a:pPr algn="l"/>
+            <a:endParaRPr lang="pl-PL" dirty="0"/>
+          </a:p>
+          <a:p>
+            <a:pPr algn="l"/>
+            <a:endParaRPr lang="pl-PL" dirty="0" smtClean="0"/>
+          </a:p>
+          <a:p>
+            <a:pPr algn="l"/>
+            <a:endParaRPr lang="pl-PL" dirty="0"/>
+          </a:p>
+          <a:p>
+            <a:pPr algn="l"/>
+            <a:endParaRPr lang="pl-PL" dirty="0" smtClean="0"/>
+          </a:p>
+          <a:p>
+            <a:pPr algn="l"/>
+            <a:endParaRPr lang="pl-PL" dirty="0" smtClean="0"/>
+          </a:p>
+          <a:p>
+            <a:pPr algn="l"/>
+            <a:endParaRPr lang="pl-PL" dirty="0"/>
+          </a:p>
+          <a:p>
+            <a:pPr algn="l"/>
+            <a:endParaRPr lang="pl-PL" dirty="0" smtClean="0"/>
+          </a:p>
+          <a:p>
+            <a:pPr algn="l"/>
+            <a:endParaRPr lang="pl-PL" dirty="0"/>
+          </a:p>
+          <a:p>
+            <a:pPr algn="l"/>
+            <a:endParaRPr lang="pl-PL" dirty="0" smtClean="0"/>
+          </a:p>
+          <a:p>
+            <a:pPr marL="914400" indent="-914400" algn="l">
+              <a:buAutoNum type="arabicPeriod"/>
+            </a:pPr>
+            <a:r>
+              <a:rPr lang="pl-PL" dirty="0" smtClean="0"/>
+              <a:t>Db can only be accessable from app subnet</a:t>
+            </a:r>
+          </a:p>
+          <a:p>
+            <a:pPr marL="914400" indent="-914400" algn="l">
+              <a:buAutoNum type="arabicPeriod"/>
+            </a:pPr>
+            <a:r>
+              <a:rPr lang="en-US" dirty="0" smtClean="0"/>
+              <a:t>All </a:t>
+            </a:r>
             <a:r>
               <a:rPr lang="en-US" dirty="0"/>
-              <a:t>Thank you!</a:t>
-            </a:r>
-          </a:p>
-        </p:txBody>
-      </p:sp>
-      <p:sp>
-        <p:nvSpPr>
-          <p:cNvPr id="3" name="Text Placeholder 2"/>
+              <a:t>passwords will be generated in terraform and stored in K</a:t>
+            </a:r>
+            <a:r>
+              <a:rPr lang="pl-PL" dirty="0"/>
+              <a:t>V </a:t>
+            </a:r>
+          </a:p>
+          <a:p>
+            <a:pPr marL="914400" indent="-914400" algn="l">
+              <a:buAutoNum type="arabicPeriod"/>
+            </a:pPr>
+            <a:r>
+              <a:rPr lang="pl-PL" dirty="0"/>
+              <a:t>Allow http/https traffic on app subnet using terraform</a:t>
+            </a:r>
+          </a:p>
+          <a:p>
+            <a:pPr algn="l"/>
+            <a:endParaRPr lang="pl-PL" dirty="0" smtClean="0"/>
+          </a:p>
+          <a:p>
+            <a:pPr marL="914400" indent="-914400" algn="l">
+              <a:buAutoNum type="arabicPeriod"/>
+            </a:pPr>
+            <a:endParaRPr lang="pl-PL" dirty="0" smtClean="0"/>
+          </a:p>
+          <a:p>
+            <a:pPr algn="l"/>
+            <a:endParaRPr lang="pl-PL" dirty="0">
+              <a:sym typeface="Wingdings" panose="05000000000000000000" pitchFamily="2" charset="2"/>
+            </a:endParaRPr>
+          </a:p>
+          <a:p>
+            <a:pPr algn="l"/>
+            <a:endParaRPr lang="pl-PL" dirty="0" smtClean="0"/>
+          </a:p>
+        </p:txBody>
+      </p:sp>
+      <p:sp>
+        <p:nvSpPr>
+          <p:cNvPr id="6" name="Rectangle 5"/>
+          <p:cNvSpPr/>
+          <p:nvPr/>
+        </p:nvSpPr>
+        <p:spPr>
+          <a:xfrm>
+            <a:off x="2110086" y="4076696"/>
+            <a:ext cx="2736304" cy="1800200"/>
+          </a:xfrm>
+          <a:prstGeom prst="rect">
+            <a:avLst/>
+          </a:prstGeom>
+        </p:spPr>
+        <p:style>
+          <a:lnRef idx="2">
+            <a:schemeClr val="accent1">
+              <a:shade val="50000"/>
+            </a:schemeClr>
+          </a:lnRef>
+          <a:fillRef idx="1">
+            <a:schemeClr val="accent1"/>
+          </a:fillRef>
+          <a:effectRef idx="0">
+            <a:schemeClr val="accent1"/>
+          </a:effectRef>
+          <a:fontRef idx="minor">
+            <a:schemeClr val="lt1"/>
+          </a:fontRef>
+        </p:style>
+        <p:txBody>
+          <a:bodyPr rtlCol="0" anchor="ctr"/>
+          <a:lstStyle/>
+          <a:p>
+            <a:pPr algn="ctr"/>
+            <a:r>
+              <a:rPr lang="pl-PL" dirty="0" smtClean="0"/>
+              <a:t>Public Ip</a:t>
+            </a:r>
+            <a:endParaRPr lang="pl-PL" dirty="0"/>
+          </a:p>
+        </p:txBody>
+      </p:sp>
+      <p:sp>
+        <p:nvSpPr>
+          <p:cNvPr id="9" name="Rectangle 8"/>
+          <p:cNvSpPr/>
+          <p:nvPr/>
+        </p:nvSpPr>
+        <p:spPr>
+          <a:xfrm>
+            <a:off x="5329813" y="4076696"/>
+            <a:ext cx="2664296" cy="1814500"/>
+          </a:xfrm>
+          <a:prstGeom prst="rect">
+            <a:avLst/>
+          </a:prstGeom>
+        </p:spPr>
+        <p:style>
+          <a:lnRef idx="2">
+            <a:schemeClr val="accent1">
+              <a:shade val="50000"/>
+            </a:schemeClr>
+          </a:lnRef>
+          <a:fillRef idx="1">
+            <a:schemeClr val="accent1"/>
+          </a:fillRef>
+          <a:effectRef idx="0">
+            <a:schemeClr val="accent1"/>
+          </a:effectRef>
+          <a:fontRef idx="minor">
+            <a:schemeClr val="lt1"/>
+          </a:fontRef>
+        </p:style>
+        <p:txBody>
+          <a:bodyPr rtlCol="0" anchor="ctr"/>
+          <a:lstStyle/>
+          <a:p>
+            <a:pPr algn="ctr"/>
+            <a:r>
+              <a:rPr lang="pl-PL" dirty="0" smtClean="0"/>
+              <a:t>Load Balancer</a:t>
+            </a:r>
+            <a:endParaRPr lang="pl-PL" dirty="0"/>
+          </a:p>
+        </p:txBody>
+      </p:sp>
+      <p:sp>
+        <p:nvSpPr>
+          <p:cNvPr id="13" name="Rectangle 12"/>
+          <p:cNvSpPr/>
+          <p:nvPr/>
+        </p:nvSpPr>
+        <p:spPr>
+          <a:xfrm>
+            <a:off x="11126739" y="8985117"/>
+            <a:ext cx="2675864" cy="1817400"/>
+          </a:xfrm>
+          <a:prstGeom prst="rect">
+            <a:avLst/>
+          </a:prstGeom>
+        </p:spPr>
+        <p:style>
+          <a:lnRef idx="2">
+            <a:schemeClr val="accent1">
+              <a:shade val="50000"/>
+            </a:schemeClr>
+          </a:lnRef>
+          <a:fillRef idx="1">
+            <a:schemeClr val="accent1"/>
+          </a:fillRef>
+          <a:effectRef idx="0">
+            <a:schemeClr val="accent1"/>
+          </a:effectRef>
+          <a:fontRef idx="minor">
+            <a:schemeClr val="lt1"/>
+          </a:fontRef>
+        </p:style>
+        <p:txBody>
+          <a:bodyPr rtlCol="0" anchor="ctr"/>
+          <a:lstStyle/>
+          <a:p>
+            <a:pPr algn="ctr"/>
+            <a:endParaRPr lang="pl-PL" dirty="0" smtClean="0"/>
+          </a:p>
+          <a:p>
+            <a:pPr algn="ctr"/>
+            <a:r>
+              <a:rPr lang="pl-PL" dirty="0" smtClean="0"/>
+              <a:t>Db</a:t>
+            </a:r>
+          </a:p>
+          <a:p>
+            <a:pPr algn="ctr"/>
+            <a:r>
+              <a:rPr lang="pl-PL" dirty="0"/>
+              <a:t>(Azure Service)</a:t>
+            </a:r>
+          </a:p>
+          <a:p>
+            <a:pPr algn="ctr"/>
+            <a:endParaRPr lang="pl-PL" dirty="0"/>
+          </a:p>
+        </p:txBody>
+      </p:sp>
+      <p:sp>
+        <p:nvSpPr>
+          <p:cNvPr id="14" name="Rectangle 13"/>
+          <p:cNvSpPr/>
+          <p:nvPr/>
+        </p:nvSpPr>
+        <p:spPr>
+          <a:xfrm>
+            <a:off x="2125176" y="8080019"/>
+            <a:ext cx="2736304" cy="1440160"/>
+          </a:xfrm>
+          <a:prstGeom prst="rect">
+            <a:avLst/>
+          </a:prstGeom>
+        </p:spPr>
+        <p:style>
+          <a:lnRef idx="2">
+            <a:schemeClr val="accent1">
+              <a:shade val="50000"/>
+            </a:schemeClr>
+          </a:lnRef>
+          <a:fillRef idx="1">
+            <a:schemeClr val="accent1"/>
+          </a:fillRef>
+          <a:effectRef idx="0">
+            <a:schemeClr val="accent1"/>
+          </a:effectRef>
+          <a:fontRef idx="minor">
+            <a:schemeClr val="lt1"/>
+          </a:fontRef>
+        </p:style>
+        <p:txBody>
+          <a:bodyPr rtlCol="0" anchor="ctr"/>
+          <a:lstStyle/>
+          <a:p>
+            <a:pPr algn="ctr"/>
+            <a:r>
+              <a:rPr lang="pl-PL" dirty="0" smtClean="0"/>
+              <a:t>Vnet</a:t>
+            </a:r>
+            <a:endParaRPr lang="pl-PL" dirty="0"/>
+          </a:p>
+        </p:txBody>
+      </p:sp>
+      <p:sp>
+        <p:nvSpPr>
+          <p:cNvPr id="23" name="Rectangle 22"/>
+          <p:cNvSpPr/>
+          <p:nvPr/>
+        </p:nvSpPr>
+        <p:spPr>
+          <a:xfrm>
+            <a:off x="18311886" y="4024630"/>
+            <a:ext cx="2736304" cy="1584176"/>
+          </a:xfrm>
+          <a:prstGeom prst="rect">
+            <a:avLst/>
+          </a:prstGeom>
+        </p:spPr>
+        <p:style>
+          <a:lnRef idx="2">
+            <a:schemeClr val="accent1">
+              <a:shade val="50000"/>
+            </a:schemeClr>
+          </a:lnRef>
+          <a:fillRef idx="1">
+            <a:schemeClr val="accent1"/>
+          </a:fillRef>
+          <a:effectRef idx="0">
+            <a:schemeClr val="accent1"/>
+          </a:effectRef>
+          <a:fontRef idx="minor">
+            <a:schemeClr val="lt1"/>
+          </a:fontRef>
+        </p:style>
+        <p:txBody>
+          <a:bodyPr rtlCol="0" anchor="ctr"/>
+          <a:lstStyle/>
+          <a:p>
+            <a:pPr algn="ctr"/>
+            <a:r>
+              <a:rPr lang="pl-PL" dirty="0" smtClean="0"/>
+              <a:t>Key Vault</a:t>
+            </a:r>
+            <a:endParaRPr lang="pl-PL" dirty="0"/>
+          </a:p>
+        </p:txBody>
+      </p:sp>
+      <p:sp>
+        <p:nvSpPr>
+          <p:cNvPr id="24" name="Rectangle 23"/>
+          <p:cNvSpPr/>
+          <p:nvPr/>
+        </p:nvSpPr>
+        <p:spPr>
+          <a:xfrm>
+            <a:off x="8359692" y="6742819"/>
+            <a:ext cx="5477334" cy="1794400"/>
+          </a:xfrm>
+          <a:prstGeom prst="rect">
+            <a:avLst/>
+          </a:prstGeom>
+        </p:spPr>
+        <p:style>
+          <a:lnRef idx="2">
+            <a:schemeClr val="accent1">
+              <a:shade val="50000"/>
+            </a:schemeClr>
+          </a:lnRef>
+          <a:fillRef idx="1">
+            <a:schemeClr val="accent1"/>
+          </a:fillRef>
+          <a:effectRef idx="0">
+            <a:schemeClr val="accent1"/>
+          </a:effectRef>
+          <a:fontRef idx="minor">
+            <a:schemeClr val="lt1"/>
+          </a:fontRef>
+        </p:style>
+        <p:txBody>
+          <a:bodyPr rtlCol="0" anchor="ctr"/>
+          <a:lstStyle/>
+          <a:p>
+            <a:pPr algn="ctr"/>
+            <a:r>
+              <a:rPr lang="pl-PL" dirty="0" smtClean="0"/>
+              <a:t>ScaleSet (3 instances)</a:t>
+            </a:r>
+            <a:endParaRPr lang="pl-PL" dirty="0"/>
+          </a:p>
+        </p:txBody>
+      </p:sp>
+      <p:sp>
+        <p:nvSpPr>
+          <p:cNvPr id="25" name="Rectangle 24"/>
+          <p:cNvSpPr/>
+          <p:nvPr/>
+        </p:nvSpPr>
+        <p:spPr>
+          <a:xfrm>
+            <a:off x="8359692" y="8985117"/>
+            <a:ext cx="2545432" cy="1817400"/>
+          </a:xfrm>
+          <a:prstGeom prst="rect">
+            <a:avLst/>
+          </a:prstGeom>
+        </p:spPr>
+        <p:style>
+          <a:lnRef idx="2">
+            <a:schemeClr val="accent1">
+              <a:shade val="50000"/>
+            </a:schemeClr>
+          </a:lnRef>
+          <a:fillRef idx="1">
+            <a:schemeClr val="accent1"/>
+          </a:fillRef>
+          <a:effectRef idx="0">
+            <a:schemeClr val="accent1"/>
+          </a:effectRef>
+          <a:fontRef idx="minor">
+            <a:schemeClr val="lt1"/>
+          </a:fontRef>
+        </p:style>
+        <p:txBody>
+          <a:bodyPr rtlCol="0" anchor="ctr"/>
+          <a:lstStyle/>
+          <a:p>
+            <a:pPr algn="ctr"/>
+            <a:r>
+              <a:rPr lang="pl-PL" dirty="0" smtClean="0"/>
+              <a:t>Sql serwer (Azure Service)</a:t>
+            </a:r>
+            <a:endParaRPr lang="pl-PL" dirty="0"/>
+          </a:p>
+        </p:txBody>
+      </p:sp>
+      <p:sp>
+        <p:nvSpPr>
+          <p:cNvPr id="26" name="Rectangle 25"/>
+          <p:cNvSpPr/>
+          <p:nvPr/>
+        </p:nvSpPr>
+        <p:spPr>
+          <a:xfrm>
+            <a:off x="5329813" y="7622819"/>
+            <a:ext cx="2664296" cy="914400"/>
+          </a:xfrm>
+          <a:prstGeom prst="rect">
+            <a:avLst/>
+          </a:prstGeom>
+        </p:spPr>
+        <p:style>
+          <a:lnRef idx="2">
+            <a:schemeClr val="accent1">
+              <a:shade val="50000"/>
+            </a:schemeClr>
+          </a:lnRef>
+          <a:fillRef idx="1">
+            <a:schemeClr val="accent1"/>
+          </a:fillRef>
+          <a:effectRef idx="0">
+            <a:schemeClr val="accent1"/>
+          </a:effectRef>
+          <a:fontRef idx="minor">
+            <a:schemeClr val="lt1"/>
+          </a:fontRef>
+        </p:style>
+        <p:txBody>
+          <a:bodyPr rtlCol="0" anchor="ctr"/>
+          <a:lstStyle/>
+          <a:p>
+            <a:pPr algn="ctr"/>
+            <a:r>
+              <a:rPr lang="pl-PL" dirty="0" smtClean="0"/>
+              <a:t>App - Subnet </a:t>
+            </a:r>
+            <a:endParaRPr lang="pl-PL" dirty="0"/>
+          </a:p>
+        </p:txBody>
+      </p:sp>
+    </p:spTree>
+    <p:extLst>
+      <p:ext uri="{BB962C8B-B14F-4D97-AF65-F5344CB8AC3E}">
+        <p14:creationId xmlns:p14="http://schemas.microsoft.com/office/powerpoint/2010/main" val="902601554"/>
+      </p:ext>
+    </p:extLst>
+  </p:cSld>
+  <p:clrMapOvr>
+    <a:masterClrMapping/>
+  </p:clrMapOvr>
+  <p:timing>
+    <p:tnLst>
+      <p:par>
+        <p:cTn id="1" dur="indefinite" restart="never" nodeType="tmRoot"/>
+      </p:par>
+    </p:tnLst>
+  </p:timing>
+</p:sld>
+</file>
+
+<file path=ppt/slides/slide18.xml><?xml version="1.0" encoding="utf-8"?>
+<p:sld xmlns:a="http://schemas.openxmlformats.org/drawingml/2006/main" xmlns:r="http://schemas.openxmlformats.org/officeDocument/2006/relationships" xmlns:p="http://schemas.openxmlformats.org/presentationml/2006/main">
+  <p:cSld>
+    <p:spTree>
+      <p:nvGrpSpPr>
+        <p:cNvPr id="1" name=""/>
+        <p:cNvGrpSpPr/>
+        <p:nvPr/>
+      </p:nvGrpSpPr>
+      <p:grpSpPr>
+        <a:xfrm>
+          <a:off x="0" y="0"/>
+          <a:ext cx="0" cy="0"/>
+          <a:chOff x="0" y="0"/>
+          <a:chExt cx="0" cy="0"/>
+        </a:xfrm>
+      </p:grpSpPr>
+      <p:sp>
+        <p:nvSpPr>
+          <p:cNvPr id="2" name="Title 1"/>
           <p:cNvSpPr>
             <a:spLocks noGrp="1"/>
           </p:cNvSpPr>
           <p:nvPr>
-            <p:ph type="body" sz="quarter" idx="17"/>
+            <p:ph type="ctrTitle"/>
           </p:nvPr>
         </p:nvSpPr>
         <p:spPr/>
@@ -51537,10 +52427,36 @@
           <a:lstStyle/>
           <a:p>
             <a:r>
-              <a:rPr lang="pl-PL" dirty="0" smtClean="0"/>
-              <a:t>Łukasz Ożóg </a:t>
-            </a:r>
-            <a:endParaRPr lang="en-US" dirty="0"/>
+              <a:rPr lang="en-US"/>
+              <a:t>Thank you!</a:t>
+            </a:r>
+          </a:p>
+        </p:txBody>
+      </p:sp>
+      <p:sp>
+        <p:nvSpPr>
+          <p:cNvPr id="3" name="Text Placeholder 2"/>
+          <p:cNvSpPr>
+            <a:spLocks noGrp="1"/>
+          </p:cNvSpPr>
+          <p:nvPr>
+            <p:ph type="body" sz="quarter" idx="17"/>
+          </p:nvPr>
+        </p:nvSpPr>
+        <p:spPr/>
+        <p:txBody>
+          <a:bodyPr/>
+          <a:lstStyle/>
+          <a:p>
+            <a:r>
+              <a:rPr lang="en-US"/>
+              <a:t>SPEAKER NAME  ·  @</a:t>
+            </a:r>
+            <a:r>
+              <a:rPr lang="en-US" smtClean="0"/>
+              <a:t>SOCIALMEDIA</a:t>
+            </a:r>
+            <a:endParaRPr lang="en-US"/>
           </a:p>
         </p:txBody>
       </p:sp>
@@ -51584,7 +52500,7 @@
 </p:sld>
 </file>
 
-<file path=ppt/slides/slide18.xml><?xml version="1.0" encoding="utf-8"?>
+<file path=ppt/slides/slide19.xml><?xml version="1.0" encoding="utf-8"?>
 <p:sld xmlns:a="http://schemas.openxmlformats.org/drawingml/2006/main" xmlns:r="http://schemas.openxmlformats.org/officeDocument/2006/relationships" xmlns:p="http://schemas.openxmlformats.org/presentationml/2006/main">
   <p:cSld>
     <p:spTree>
@@ -52043,11 +52959,11 @@
             </a:pPr>
             <a:r>
               <a:rPr lang="pl-PL" dirty="0"/>
-              <a:t>4 </a:t>
+              <a:t>F</a:t>
             </a:r>
             <a:r>
               <a:rPr lang="pl-PL" dirty="0" smtClean="0"/>
-              <a:t>command to rule them all.</a:t>
+              <a:t>our command to rule them all.</a:t>
             </a:r>
             <a:endParaRPr lang="pl-PL" dirty="0"/>
           </a:p>
@@ -52106,8 +53022,8 @@
         </p:nvSpPr>
         <p:spPr>
           <a:xfrm>
-            <a:off x="1803009" y="2283554"/>
-            <a:ext cx="20737513" cy="1200329"/>
+            <a:off x="1803009" y="1175559"/>
+            <a:ext cx="20737513" cy="2308324"/>
           </a:xfrm>
         </p:spPr>
         <p:txBody>
@@ -52123,8 +53039,13 @@
             </a:r>
             <a:r>
               <a:rPr lang="pl-PL" sz="8000" dirty="0"/>
-              <a:t>sources, resources</a:t>
-            </a:r>
+              <a:t>sources, </a:t>
+            </a:r>
+            <a:r>
+              <a:rPr lang="pl-PL" sz="8000" dirty="0" smtClean="0"/>
+              <a:t>resources, template resources</a:t>
+            </a:r>
+            <a:endParaRPr lang="pl-PL" sz="8000" dirty="0"/>
           </a:p>
         </p:txBody>
       </p:sp>
@@ -52207,7 +53128,7 @@
               </a:rPr>
               <a:t>Link</a:t>
             </a:r>
-            <a:endParaRPr lang="pl-PL" dirty="0"/>
+            <a:endParaRPr lang="pl-PL" dirty="0" smtClean="0"/>
           </a:p>
         </p:txBody>
       </p:sp>
